--- a/figures/edithis.pptx
+++ b/figures/edithis.pptx
@@ -259,7 +259,7 @@
           <a:p>
             <a:fld id="{4538F356-A95C-5C46-B760-5A2E05EE06EE}" type="datetimeFigureOut">
               <a:rPr lang="en-US" smtClean="0"/>
-              <a:t>7/25/20</a:t>
+              <a:t>8/11/20</a:t>
             </a:fld>
             <a:endParaRPr lang="en-US"/>
           </a:p>
@@ -457,7 +457,7 @@
           <a:p>
             <a:fld id="{4538F356-A95C-5C46-B760-5A2E05EE06EE}" type="datetimeFigureOut">
               <a:rPr lang="en-US" smtClean="0"/>
-              <a:t>7/25/20</a:t>
+              <a:t>8/11/20</a:t>
             </a:fld>
             <a:endParaRPr lang="en-US"/>
           </a:p>
@@ -665,7 +665,7 @@
           <a:p>
             <a:fld id="{4538F356-A95C-5C46-B760-5A2E05EE06EE}" type="datetimeFigureOut">
               <a:rPr lang="en-US" smtClean="0"/>
-              <a:t>7/25/20</a:t>
+              <a:t>8/11/20</a:t>
             </a:fld>
             <a:endParaRPr lang="en-US"/>
           </a:p>
@@ -863,7 +863,7 @@
           <a:p>
             <a:fld id="{4538F356-A95C-5C46-B760-5A2E05EE06EE}" type="datetimeFigureOut">
               <a:rPr lang="en-US" smtClean="0"/>
-              <a:t>7/25/20</a:t>
+              <a:t>8/11/20</a:t>
             </a:fld>
             <a:endParaRPr lang="en-US"/>
           </a:p>
@@ -1138,7 +1138,7 @@
           <a:p>
             <a:fld id="{4538F356-A95C-5C46-B760-5A2E05EE06EE}" type="datetimeFigureOut">
               <a:rPr lang="en-US" smtClean="0"/>
-              <a:t>7/25/20</a:t>
+              <a:t>8/11/20</a:t>
             </a:fld>
             <a:endParaRPr lang="en-US"/>
           </a:p>
@@ -1403,7 +1403,7 @@
           <a:p>
             <a:fld id="{4538F356-A95C-5C46-B760-5A2E05EE06EE}" type="datetimeFigureOut">
               <a:rPr lang="en-US" smtClean="0"/>
-              <a:t>7/25/20</a:t>
+              <a:t>8/11/20</a:t>
             </a:fld>
             <a:endParaRPr lang="en-US"/>
           </a:p>
@@ -1815,7 +1815,7 @@
           <a:p>
             <a:fld id="{4538F356-A95C-5C46-B760-5A2E05EE06EE}" type="datetimeFigureOut">
               <a:rPr lang="en-US" smtClean="0"/>
-              <a:t>7/25/20</a:t>
+              <a:t>8/11/20</a:t>
             </a:fld>
             <a:endParaRPr lang="en-US"/>
           </a:p>
@@ -1956,7 +1956,7 @@
           <a:p>
             <a:fld id="{4538F356-A95C-5C46-B760-5A2E05EE06EE}" type="datetimeFigureOut">
               <a:rPr lang="en-US" smtClean="0"/>
-              <a:t>7/25/20</a:t>
+              <a:t>8/11/20</a:t>
             </a:fld>
             <a:endParaRPr lang="en-US"/>
           </a:p>
@@ -2069,7 +2069,7 @@
           <a:p>
             <a:fld id="{4538F356-A95C-5C46-B760-5A2E05EE06EE}" type="datetimeFigureOut">
               <a:rPr lang="en-US" smtClean="0"/>
-              <a:t>7/25/20</a:t>
+              <a:t>8/11/20</a:t>
             </a:fld>
             <a:endParaRPr lang="en-US"/>
           </a:p>
@@ -2380,7 +2380,7 @@
           <a:p>
             <a:fld id="{4538F356-A95C-5C46-B760-5A2E05EE06EE}" type="datetimeFigureOut">
               <a:rPr lang="en-US" smtClean="0"/>
-              <a:t>7/25/20</a:t>
+              <a:t>8/11/20</a:t>
             </a:fld>
             <a:endParaRPr lang="en-US"/>
           </a:p>
@@ -2668,7 +2668,7 @@
           <a:p>
             <a:fld id="{4538F356-A95C-5C46-B760-5A2E05EE06EE}" type="datetimeFigureOut">
               <a:rPr lang="en-US" smtClean="0"/>
-              <a:t>7/25/20</a:t>
+              <a:t>8/11/20</a:t>
             </a:fld>
             <a:endParaRPr lang="en-US"/>
           </a:p>
@@ -2909,7 +2909,7 @@
           <a:p>
             <a:fld id="{4538F356-A95C-5C46-B760-5A2E05EE06EE}" type="datetimeFigureOut">
               <a:rPr lang="en-US" smtClean="0"/>
-              <a:t>7/25/20</a:t>
+              <a:t>8/11/20</a:t>
             </a:fld>
             <a:endParaRPr lang="en-US"/>
           </a:p>
@@ -3340,8 +3340,8 @@
         </p:nvSpPr>
         <p:spPr>
           <a:xfrm>
-            <a:off x="4746661" y="1182498"/>
-            <a:ext cx="2167848" cy="1218723"/>
+            <a:off x="4746660" y="1182498"/>
+            <a:ext cx="3287715" cy="1218723"/>
           </a:xfrm>
           <a:prstGeom prst="roundRect">
             <a:avLst/>
@@ -3376,7 +3376,7 @@
           <a:lstStyle/>
           <a:p>
             <a:pPr algn="ctr"/>
-            <a:endParaRPr lang="en-US"/>
+            <a:endParaRPr lang="en-US" dirty="0"/>
           </a:p>
         </p:txBody>
       </p:sp>
@@ -3395,7 +3395,7 @@
         <p:spPr>
           <a:xfrm>
             <a:off x="5591652" y="1128925"/>
-            <a:ext cx="431528" cy="369332"/>
+            <a:ext cx="1389611" cy="369332"/>
           </a:xfrm>
           <a:prstGeom prst="rect">
             <a:avLst/>
@@ -3410,7 +3410,7 @@
           <a:p>
             <a:r>
               <a:rPr lang="en-US" b="1" dirty="0"/>
-              <a:t>XY</a:t>
+              <a:t>monocentric</a:t>
             </a:r>
           </a:p>
         </p:txBody>
@@ -3467,8 +3467,8 @@
           </a:p>
         </p:txBody>
       </p:sp>
-      <mc:AlternateContent xmlns:mc="http://schemas.openxmlformats.org/markup-compatibility/2006">
-        <mc:Choice xmlns:a14="http://schemas.microsoft.com/office/drawing/2010/main" Requires="a14">
+      <mc:AlternateContent xmlns:mc="http://schemas.openxmlformats.org/markup-compatibility/2006" xmlns:a14="http://schemas.microsoft.com/office/drawing/2010/main">
+        <mc:Choice Requires="a14">
           <p:sp>
             <p:nvSpPr>
               <p:cNvPr id="8" name="TextBox 7">
@@ -3550,7 +3550,7 @@
             </p:txBody>
           </p:sp>
         </mc:Choice>
-        <mc:Fallback>
+        <mc:Fallback xmlns="">
           <p:sp>
             <p:nvSpPr>
               <p:cNvPr id="8" name="TextBox 7">
@@ -3745,8 +3745,8 @@
           </a:p>
         </p:txBody>
       </p:sp>
-      <mc:AlternateContent xmlns:mc="http://schemas.openxmlformats.org/markup-compatibility/2006">
-        <mc:Choice xmlns:a14="http://schemas.microsoft.com/office/drawing/2010/main" Requires="a14">
+      <mc:AlternateContent xmlns:mc="http://schemas.openxmlformats.org/markup-compatibility/2006" xmlns:a14="http://schemas.microsoft.com/office/drawing/2010/main">
+        <mc:Choice Requires="a14">
           <p:sp>
             <p:nvSpPr>
               <p:cNvPr id="15" name="TextBox 14">
@@ -3799,7 +3799,7 @@
             </p:txBody>
           </p:sp>
         </mc:Choice>
-        <mc:Fallback>
+        <mc:Fallback xmlns="">
           <p:sp>
             <p:nvSpPr>
               <p:cNvPr id="15" name="TextBox 14">
@@ -3844,8 +3844,8 @@
           </p:sp>
         </mc:Fallback>
       </mc:AlternateContent>
-      <mc:AlternateContent xmlns:mc="http://schemas.openxmlformats.org/markup-compatibility/2006">
-        <mc:Choice xmlns:a14="http://schemas.microsoft.com/office/drawing/2010/main" Requires="a14">
+      <mc:AlternateContent xmlns:mc="http://schemas.openxmlformats.org/markup-compatibility/2006" xmlns:a14="http://schemas.microsoft.com/office/drawing/2010/main">
+        <mc:Choice Requires="a14">
           <p:sp>
             <p:nvSpPr>
               <p:cNvPr id="16" name="TextBox 15">
@@ -3898,7 +3898,7 @@
             </p:txBody>
           </p:sp>
         </mc:Choice>
-        <mc:Fallback>
+        <mc:Fallback xmlns="">
           <p:sp>
             <p:nvSpPr>
               <p:cNvPr id="16" name="TextBox 15">
@@ -3959,7 +3959,7 @@
         </p:nvCxnSpPr>
         <p:spPr>
           <a:xfrm flipV="1">
-            <a:off x="5798132" y="2441121"/>
+            <a:off x="5880324" y="2441121"/>
             <a:ext cx="0" cy="463897"/>
           </a:xfrm>
           <a:prstGeom prst="straightConnector1">
@@ -4003,8 +4003,8 @@
             </p:nvSpPr>
             <p:spPr>
               <a:xfrm>
-                <a:off x="4970910" y="2532882"/>
-                <a:ext cx="193194" cy="276999"/>
+                <a:off x="5289500" y="2543181"/>
+                <a:ext cx="434414" cy="276999"/>
               </a:xfrm>
               <a:prstGeom prst="rect">
                 <a:avLst/>
@@ -4020,11 +4020,18 @@
                 <a14:m>
                   <m:oMath xmlns:m="http://schemas.openxmlformats.org/officeDocument/2006/math">
                     <m:r>
-                      <a:rPr lang="en-US" i="1" smtClean="0">
+                      <a:rPr lang="en-US" b="0" i="1" smtClean="0">
                         <a:latin typeface="Cambria Math" panose="02040503050406030204" pitchFamily="18" charset="0"/>
                         <a:ea typeface="Cambria Math" panose="02040503050406030204" pitchFamily="18" charset="0"/>
                       </a:rPr>
-                      <m:t>𝜎</m:t>
+                      <m:t>𝑞</m:t>
+                    </m:r>
+                    <m:r>
+                      <a:rPr lang="en-US" b="0" i="1" smtClean="0">
+                        <a:latin typeface="Cambria Math" panose="02040503050406030204" pitchFamily="18" charset="0"/>
+                        <a:ea typeface="Cambria Math" panose="02040503050406030204" pitchFamily="18" charset="0"/>
+                      </a:rPr>
+                      <m:t>01</m:t>
                     </m:r>
                   </m:oMath>
                 </a14:m>
@@ -4053,8 +4060,8 @@
             </p:nvSpPr>
             <p:spPr>
               <a:xfrm>
-                <a:off x="4970910" y="2532882"/>
-                <a:ext cx="193194" cy="276999"/>
+                <a:off x="5289500" y="2543181"/>
+                <a:ext cx="434414" cy="276999"/>
               </a:xfrm>
               <a:prstGeom prst="rect">
                 <a:avLst/>
@@ -4062,7 +4069,7 @@
               <a:blipFill>
                 <a:blip r:embed="rId5"/>
                 <a:stretch>
-                  <a:fillRect l="-17647"/>
+                  <a:fillRect l="-19444" r="-8333" b="-30435"/>
                 </a:stretch>
               </a:blipFill>
             </p:spPr>
@@ -4097,8 +4104,8 @@
             </p:nvSpPr>
             <p:spPr>
               <a:xfrm>
-                <a:off x="5838620" y="2486876"/>
-                <a:ext cx="185564" cy="276999"/>
+                <a:off x="6171906" y="2523546"/>
+                <a:ext cx="434414" cy="276999"/>
               </a:xfrm>
               <a:prstGeom prst="rect">
                 <a:avLst/>
@@ -4114,11 +4121,18 @@
                 <a14:m>
                   <m:oMath xmlns:m="http://schemas.openxmlformats.org/officeDocument/2006/math">
                     <m:r>
-                      <a:rPr lang="en-US" i="1" smtClean="0">
+                      <a:rPr lang="en-US" b="0" i="1" smtClean="0">
                         <a:latin typeface="Cambria Math" panose="02040503050406030204" pitchFamily="18" charset="0"/>
                         <a:ea typeface="Cambria Math" panose="02040503050406030204" pitchFamily="18" charset="0"/>
                       </a:rPr>
-                      <m:t>𝜌</m:t>
+                      <m:t>𝑞</m:t>
+                    </m:r>
+                    <m:r>
+                      <a:rPr lang="en-US" b="0" i="1" smtClean="0">
+                        <a:latin typeface="Cambria Math" panose="02040503050406030204" pitchFamily="18" charset="0"/>
+                        <a:ea typeface="Cambria Math" panose="02040503050406030204" pitchFamily="18" charset="0"/>
+                      </a:rPr>
+                      <m:t>10</m:t>
                     </m:r>
                   </m:oMath>
                 </a14:m>
@@ -4147,8 +4161,8 @@
             </p:nvSpPr>
             <p:spPr>
               <a:xfrm>
-                <a:off x="5838620" y="2486876"/>
-                <a:ext cx="185564" cy="276999"/>
+                <a:off x="6171906" y="2523546"/>
+                <a:ext cx="434414" cy="276999"/>
               </a:xfrm>
               <a:prstGeom prst="rect">
                 <a:avLst/>
@@ -4156,7 +4170,7 @@
               <a:blipFill>
                 <a:blip r:embed="rId6"/>
                 <a:stretch>
-                  <a:fillRect l="-40000" r="-13333" b="-21739"/>
+                  <a:fillRect l="-22857" r="-11429" b="-30435"/>
                 </a:stretch>
               </a:blipFill>
             </p:spPr>
@@ -4175,8 +4189,8 @@
           </p:sp>
         </mc:Fallback>
       </mc:AlternateContent>
-      <mc:AlternateContent xmlns:mc="http://schemas.openxmlformats.org/markup-compatibility/2006" xmlns:a14="http://schemas.microsoft.com/office/drawing/2010/main">
-        <mc:Choice Requires="a14">
+      <mc:AlternateContent xmlns:mc="http://schemas.openxmlformats.org/markup-compatibility/2006">
+        <mc:Choice xmlns:a14="http://schemas.microsoft.com/office/drawing/2010/main" Requires="a14">
           <p:sp>
             <p:nvSpPr>
               <p:cNvPr id="31" name="TextBox 30">
@@ -4191,7 +4205,7 @@
             </p:nvSpPr>
             <p:spPr>
               <a:xfrm>
-                <a:off x="7147165" y="1296755"/>
+                <a:off x="8757723" y="1178795"/>
                 <a:ext cx="3954332" cy="3139321"/>
               </a:xfrm>
               <a:prstGeom prst="rect">
@@ -4296,7 +4310,7 @@
             </p:txBody>
           </p:sp>
         </mc:Choice>
-        <mc:Fallback xmlns="">
+        <mc:Fallback>
           <p:sp>
             <p:nvSpPr>
               <p:cNvPr id="31" name="TextBox 30">
@@ -4313,14 +4327,14 @@
             </p:nvSpPr>
             <p:spPr>
               <a:xfrm>
-                <a:off x="7147165" y="1296755"/>
+                <a:off x="8757723" y="1178795"/>
                 <a:ext cx="3954332" cy="3139321"/>
               </a:xfrm>
               <a:prstGeom prst="rect">
                 <a:avLst/>
               </a:prstGeom>
               <a:blipFill>
-                <a:blip r:embed="rId10"/>
+                <a:blip r:embed="rId7"/>
                 <a:stretch>
                   <a:fillRect l="-1282" t="-806"/>
                 </a:stretch>
@@ -4612,161 +4626,6 @@
           </a:p>
         </p:txBody>
       </p:sp>
-      <p:sp>
-        <p:nvSpPr>
-          <p:cNvPr id="32" name="Freeform 31">
-            <a:extLst>
-              <a:ext uri="{FF2B5EF4-FFF2-40B4-BE49-F238E27FC236}">
-                <a16:creationId xmlns:a16="http://schemas.microsoft.com/office/drawing/2014/main" id="{85CA8FE4-4272-A04D-8398-B865ADABC1C0}"/>
-              </a:ext>
-            </a:extLst>
-          </p:cNvPr>
-          <p:cNvSpPr/>
-          <p:nvPr/>
-        </p:nvSpPr>
-        <p:spPr>
-          <a:xfrm flipH="1">
-            <a:off x="5045998" y="2393127"/>
-            <a:ext cx="711648" cy="1310317"/>
-          </a:xfrm>
-          <a:custGeom>
-            <a:avLst/>
-            <a:gdLst>
-              <a:gd name="connsiteX0" fmla="*/ 0 w 595901"/>
-              <a:gd name="connsiteY0" fmla="*/ 287906 h 329003"/>
-              <a:gd name="connsiteX1" fmla="*/ 287676 w 595901"/>
-              <a:gd name="connsiteY1" fmla="*/ 230 h 329003"/>
-              <a:gd name="connsiteX2" fmla="*/ 595901 w 595901"/>
-              <a:gd name="connsiteY2" fmla="*/ 329003 h 329003"/>
-              <a:gd name="connsiteX3" fmla="*/ 595901 w 595901"/>
-              <a:gd name="connsiteY3" fmla="*/ 329003 h 329003"/>
-              <a:gd name="connsiteX0" fmla="*/ 0 w 642199"/>
-              <a:gd name="connsiteY0" fmla="*/ 283083 h 329067"/>
-              <a:gd name="connsiteX1" fmla="*/ 333974 w 642199"/>
-              <a:gd name="connsiteY1" fmla="*/ 294 h 329067"/>
-              <a:gd name="connsiteX2" fmla="*/ 642199 w 642199"/>
-              <a:gd name="connsiteY2" fmla="*/ 329067 h 329067"/>
-              <a:gd name="connsiteX3" fmla="*/ 642199 w 642199"/>
-              <a:gd name="connsiteY3" fmla="*/ 329067 h 329067"/>
-              <a:gd name="connsiteX0" fmla="*/ 0 w 636412"/>
-              <a:gd name="connsiteY0" fmla="*/ 336542 h 336543"/>
-              <a:gd name="connsiteX1" fmla="*/ 328187 w 636412"/>
-              <a:gd name="connsiteY1" fmla="*/ 4 h 336543"/>
-              <a:gd name="connsiteX2" fmla="*/ 636412 w 636412"/>
-              <a:gd name="connsiteY2" fmla="*/ 328777 h 336543"/>
-              <a:gd name="connsiteX3" fmla="*/ 636412 w 636412"/>
-              <a:gd name="connsiteY3" fmla="*/ 328777 h 336543"/>
-              <a:gd name="connsiteX0" fmla="*/ 0 w 711648"/>
-              <a:gd name="connsiteY0" fmla="*/ 34448 h 691232"/>
-              <a:gd name="connsiteX1" fmla="*/ 403423 w 711648"/>
-              <a:gd name="connsiteY1" fmla="*/ 362459 h 691232"/>
-              <a:gd name="connsiteX2" fmla="*/ 711648 w 711648"/>
-              <a:gd name="connsiteY2" fmla="*/ 691232 h 691232"/>
-              <a:gd name="connsiteX3" fmla="*/ 711648 w 711648"/>
-              <a:gd name="connsiteY3" fmla="*/ 691232 h 691232"/>
-              <a:gd name="connsiteX0" fmla="*/ 0 w 711648"/>
-              <a:gd name="connsiteY0" fmla="*/ 0 h 656784"/>
-              <a:gd name="connsiteX1" fmla="*/ 403423 w 711648"/>
-              <a:gd name="connsiteY1" fmla="*/ 328011 h 656784"/>
-              <a:gd name="connsiteX2" fmla="*/ 711648 w 711648"/>
-              <a:gd name="connsiteY2" fmla="*/ 656784 h 656784"/>
-              <a:gd name="connsiteX3" fmla="*/ 711648 w 711648"/>
-              <a:gd name="connsiteY3" fmla="*/ 656784 h 656784"/>
-              <a:gd name="connsiteX0" fmla="*/ 0 w 721111"/>
-              <a:gd name="connsiteY0" fmla="*/ 0 h 656784"/>
-              <a:gd name="connsiteX1" fmla="*/ 640704 w 721111"/>
-              <a:gd name="connsiteY1" fmla="*/ 235170 h 656784"/>
-              <a:gd name="connsiteX2" fmla="*/ 711648 w 721111"/>
-              <a:gd name="connsiteY2" fmla="*/ 656784 h 656784"/>
-              <a:gd name="connsiteX3" fmla="*/ 711648 w 721111"/>
-              <a:gd name="connsiteY3" fmla="*/ 656784 h 656784"/>
-              <a:gd name="connsiteX0" fmla="*/ 0 w 721111"/>
-              <a:gd name="connsiteY0" fmla="*/ 0 h 1106331"/>
-              <a:gd name="connsiteX1" fmla="*/ 640704 w 721111"/>
-              <a:gd name="connsiteY1" fmla="*/ 235170 h 1106331"/>
-              <a:gd name="connsiteX2" fmla="*/ 711648 w 721111"/>
-              <a:gd name="connsiteY2" fmla="*/ 656784 h 1106331"/>
-              <a:gd name="connsiteX3" fmla="*/ 705861 w 721111"/>
-              <a:gd name="connsiteY3" fmla="*/ 1106331 h 1106331"/>
-              <a:gd name="connsiteX0" fmla="*/ 0 w 711648"/>
-              <a:gd name="connsiteY0" fmla="*/ 0 h 1106331"/>
-              <a:gd name="connsiteX1" fmla="*/ 588618 w 711648"/>
-              <a:gd name="connsiteY1" fmla="*/ 186306 h 1106331"/>
-              <a:gd name="connsiteX2" fmla="*/ 711648 w 711648"/>
-              <a:gd name="connsiteY2" fmla="*/ 656784 h 1106331"/>
-              <a:gd name="connsiteX3" fmla="*/ 705861 w 711648"/>
-              <a:gd name="connsiteY3" fmla="*/ 1106331 h 1106331"/>
-            </a:gdLst>
-            <a:ahLst/>
-            <a:cxnLst>
-              <a:cxn ang="0">
-                <a:pos x="connsiteX0" y="connsiteY0"/>
-              </a:cxn>
-              <a:cxn ang="0">
-                <a:pos x="connsiteX1" y="connsiteY1"/>
-              </a:cxn>
-              <a:cxn ang="0">
-                <a:pos x="connsiteX2" y="connsiteY2"/>
-              </a:cxn>
-              <a:cxn ang="0">
-                <a:pos x="connsiteX3" y="connsiteY3"/>
-              </a:cxn>
-            </a:cxnLst>
-            <a:rect l="l" t="t" r="r" b="b"/>
-            <a:pathLst>
-              <a:path w="711648" h="1106331">
-                <a:moveTo>
-                  <a:pt x="0" y="0"/>
-                </a:moveTo>
-                <a:cubicBezTo>
-                  <a:pt x="7368" y="228988"/>
-                  <a:pt x="470010" y="76842"/>
-                  <a:pt x="588618" y="186306"/>
-                </a:cubicBezTo>
-                <a:cubicBezTo>
-                  <a:pt x="707226" y="295770"/>
-                  <a:pt x="711648" y="656784"/>
-                  <a:pt x="711648" y="656784"/>
-                </a:cubicBezTo>
-                <a:lnTo>
-                  <a:pt x="705861" y="1106331"/>
-                </a:lnTo>
-              </a:path>
-            </a:pathLst>
-          </a:custGeom>
-          <a:noFill/>
-          <a:ln w="19050">
-            <a:solidFill>
-              <a:schemeClr val="tx1"/>
-            </a:solidFill>
-            <a:tailEnd type="triangle"/>
-          </a:ln>
-        </p:spPr>
-        <p:style>
-          <a:lnRef idx="2">
-            <a:schemeClr val="accent1">
-              <a:shade val="50000"/>
-            </a:schemeClr>
-          </a:lnRef>
-          <a:fillRef idx="1">
-            <a:schemeClr val="accent1"/>
-          </a:fillRef>
-          <a:effectRef idx="0">
-            <a:schemeClr val="accent1"/>
-          </a:effectRef>
-          <a:fontRef idx="minor">
-            <a:schemeClr val="lt1"/>
-          </a:fontRef>
-        </p:style>
-        <p:txBody>
-          <a:bodyPr rtlCol="0" anchor="ctr"/>
-          <a:lstStyle/>
-          <a:p>
-            <a:pPr algn="ctr"/>
-            <a:endParaRPr lang="en-US" dirty="0"/>
-          </a:p>
-        </p:txBody>
-      </p:sp>
       <mc:AlternateContent xmlns:mc="http://schemas.openxmlformats.org/markup-compatibility/2006">
         <mc:Choice xmlns:a14="http://schemas.microsoft.com/office/drawing/2010/main" Requires="a14">
           <p:sp>
@@ -4783,8 +4642,8 @@
             </p:nvSpPr>
             <p:spPr>
               <a:xfrm>
-                <a:off x="4785202" y="1891873"/>
-                <a:ext cx="2066080" cy="369332"/>
+                <a:off x="4785201" y="1891873"/>
+                <a:ext cx="3052639" cy="369332"/>
               </a:xfrm>
               <a:prstGeom prst="rect">
                 <a:avLst/>
@@ -4801,7 +4660,7 @@
                 <a14:m>
                   <m:oMathPara xmlns:m="http://schemas.openxmlformats.org/officeDocument/2006/math">
                     <m:oMathParaPr>
-                      <m:jc m:val="centerGroup"/>
+                      <m:jc m:val="left"/>
                     </m:oMathParaPr>
                     <m:oMath xmlns:m="http://schemas.openxmlformats.org/officeDocument/2006/math">
                       <m:r>
@@ -4838,7 +4697,19 @@
                         <a:rPr lang="en-US" b="0" i="1" smtClean="0">
                           <a:latin typeface="Cambria Math" panose="02040503050406030204" pitchFamily="18" charset="0"/>
                         </a:rPr>
-                        <m:t>+1</m:t>
+                        <m:t>+1              2</m:t>
+                      </m:r>
+                      <m:r>
+                        <a:rPr lang="en-US" b="0" i="1" smtClean="0">
+                          <a:latin typeface="Cambria Math" panose="02040503050406030204" pitchFamily="18" charset="0"/>
+                        </a:rPr>
+                        <m:t>𝑖</m:t>
+                      </m:r>
+                      <m:r>
+                        <a:rPr lang="en-US" b="0" i="1" smtClean="0">
+                          <a:latin typeface="Cambria Math" panose="02040503050406030204" pitchFamily="18" charset="0"/>
+                        </a:rPr>
+                        <m:t> </m:t>
                       </m:r>
                     </m:oMath>
                   </m:oMathPara>
@@ -4867,14 +4738,14 @@
             </p:nvSpPr>
             <p:spPr>
               <a:xfrm>
-                <a:off x="4785202" y="1891873"/>
-                <a:ext cx="2066080" cy="369332"/>
+                <a:off x="4785201" y="1891873"/>
+                <a:ext cx="3052639" cy="369332"/>
               </a:xfrm>
               <a:prstGeom prst="rect">
                 <a:avLst/>
               </a:prstGeom>
               <a:blipFill>
-                <a:blip r:embed="rId11"/>
+                <a:blip r:embed="rId8"/>
                 <a:stretch>
                   <a:fillRect b="-13333"/>
                 </a:stretch>
@@ -5010,8 +4881,8 @@
           </a:p>
         </p:txBody>
       </p:sp>
-      <mc:AlternateContent xmlns:mc="http://schemas.openxmlformats.org/markup-compatibility/2006">
-        <mc:Choice xmlns:a14="http://schemas.microsoft.com/office/drawing/2010/main" Requires="a14">
+      <mc:AlternateContent xmlns:mc="http://schemas.openxmlformats.org/markup-compatibility/2006" xmlns:a14="http://schemas.microsoft.com/office/drawing/2010/main">
+        <mc:Choice Requires="a14">
           <p:sp>
             <p:nvSpPr>
               <p:cNvPr id="39" name="TextBox 38">
@@ -5064,7 +4935,7 @@
             </p:txBody>
           </p:sp>
         </mc:Choice>
-        <mc:Fallback>
+        <mc:Fallback xmlns="">
           <p:sp>
             <p:nvSpPr>
               <p:cNvPr id="39" name="TextBox 38">
@@ -5125,7 +4996,7 @@
             </p:nvSpPr>
             <p:spPr>
               <a:xfrm>
-                <a:off x="6382341" y="1429751"/>
+                <a:off x="6417244" y="1481757"/>
                 <a:ext cx="154309" cy="276999"/>
               </a:xfrm>
               <a:prstGeom prst="rect">
@@ -5180,7 +5051,7 @@
             </p:nvSpPr>
             <p:spPr>
               <a:xfrm>
-                <a:off x="6382341" y="1429751"/>
+                <a:off x="6417244" y="1481757"/>
                 <a:ext cx="154309" cy="276999"/>
               </a:xfrm>
               <a:prstGeom prst="rect">
@@ -5189,7 +5060,7 @@
               <a:blipFill>
                 <a:blip r:embed="rId13"/>
                 <a:stretch>
-                  <a:fillRect l="-46154" r="-30769" b="-27273"/>
+                  <a:fillRect l="-38462" r="-38462" b="-27273"/>
                 </a:stretch>
               </a:blipFill>
             </p:spPr>
@@ -5442,6 +5313,191 @@
                 </a:cubicBezTo>
                 <a:lnTo>
                   <a:pt x="636412" y="328777"/>
+                </a:lnTo>
+              </a:path>
+            </a:pathLst>
+          </a:custGeom>
+          <a:noFill/>
+          <a:ln w="19050">
+            <a:solidFill>
+              <a:schemeClr val="tx1"/>
+            </a:solidFill>
+            <a:tailEnd type="triangle"/>
+          </a:ln>
+        </p:spPr>
+        <p:style>
+          <a:lnRef idx="2">
+            <a:schemeClr val="accent1">
+              <a:shade val="50000"/>
+            </a:schemeClr>
+          </a:lnRef>
+          <a:fillRef idx="1">
+            <a:schemeClr val="accent1"/>
+          </a:fillRef>
+          <a:effectRef idx="0">
+            <a:schemeClr val="accent1"/>
+          </a:effectRef>
+          <a:fontRef idx="minor">
+            <a:schemeClr val="lt1"/>
+          </a:fontRef>
+        </p:style>
+        <p:txBody>
+          <a:bodyPr rtlCol="0" anchor="ctr"/>
+          <a:lstStyle/>
+          <a:p>
+            <a:pPr algn="ctr"/>
+            <a:endParaRPr lang="en-US" dirty="0"/>
+          </a:p>
+        </p:txBody>
+      </p:sp>
+      <p:sp>
+        <p:nvSpPr>
+          <p:cNvPr id="27" name="Rectangle 26">
+            <a:extLst>
+              <a:ext uri="{FF2B5EF4-FFF2-40B4-BE49-F238E27FC236}">
+                <a16:creationId xmlns:a16="http://schemas.microsoft.com/office/drawing/2014/main" id="{CD322EE0-FEA8-1146-89DF-ADC235A577F3}"/>
+              </a:ext>
+            </a:extLst>
+          </p:cNvPr>
+          <p:cNvSpPr/>
+          <p:nvPr/>
+        </p:nvSpPr>
+        <p:spPr>
+          <a:xfrm>
+            <a:off x="7231775" y="1916988"/>
+            <a:ext cx="606066" cy="323734"/>
+          </a:xfrm>
+          <a:prstGeom prst="rect">
+            <a:avLst/>
+          </a:prstGeom>
+          <a:noFill/>
+          <a:ln>
+            <a:solidFill>
+              <a:schemeClr val="tx1"/>
+            </a:solidFill>
+          </a:ln>
+        </p:spPr>
+        <p:style>
+          <a:lnRef idx="2">
+            <a:schemeClr val="accent1">
+              <a:shade val="50000"/>
+            </a:schemeClr>
+          </a:lnRef>
+          <a:fillRef idx="1">
+            <a:schemeClr val="accent1"/>
+          </a:fillRef>
+          <a:effectRef idx="0">
+            <a:schemeClr val="accent1"/>
+          </a:effectRef>
+          <a:fontRef idx="minor">
+            <a:schemeClr val="lt1"/>
+          </a:fontRef>
+        </p:style>
+        <p:txBody>
+          <a:bodyPr rtlCol="0" anchor="ctr"/>
+          <a:lstStyle/>
+          <a:p>
+            <a:pPr algn="ctr"/>
+            <a:endParaRPr lang="en-US"/>
+          </a:p>
+        </p:txBody>
+      </p:sp>
+      <p:sp>
+        <p:nvSpPr>
+          <p:cNvPr id="33" name="Freeform 32">
+            <a:extLst>
+              <a:ext uri="{FF2B5EF4-FFF2-40B4-BE49-F238E27FC236}">
+                <a16:creationId xmlns:a16="http://schemas.microsoft.com/office/drawing/2014/main" id="{E83E7113-C43F-A941-B252-1BB5A135CCBA}"/>
+              </a:ext>
+            </a:extLst>
+          </p:cNvPr>
+          <p:cNvSpPr/>
+          <p:nvPr/>
+        </p:nvSpPr>
+        <p:spPr>
+          <a:xfrm>
+            <a:off x="5823082" y="1425899"/>
+            <a:ext cx="1713013" cy="476410"/>
+          </a:xfrm>
+          <a:custGeom>
+            <a:avLst/>
+            <a:gdLst>
+              <a:gd name="connsiteX0" fmla="*/ 0 w 595901"/>
+              <a:gd name="connsiteY0" fmla="*/ 287906 h 329003"/>
+              <a:gd name="connsiteX1" fmla="*/ 287676 w 595901"/>
+              <a:gd name="connsiteY1" fmla="*/ 230 h 329003"/>
+              <a:gd name="connsiteX2" fmla="*/ 595901 w 595901"/>
+              <a:gd name="connsiteY2" fmla="*/ 329003 h 329003"/>
+              <a:gd name="connsiteX3" fmla="*/ 595901 w 595901"/>
+              <a:gd name="connsiteY3" fmla="*/ 329003 h 329003"/>
+              <a:gd name="connsiteX0" fmla="*/ 0 w 642199"/>
+              <a:gd name="connsiteY0" fmla="*/ 283083 h 329067"/>
+              <a:gd name="connsiteX1" fmla="*/ 333974 w 642199"/>
+              <a:gd name="connsiteY1" fmla="*/ 294 h 329067"/>
+              <a:gd name="connsiteX2" fmla="*/ 642199 w 642199"/>
+              <a:gd name="connsiteY2" fmla="*/ 329067 h 329067"/>
+              <a:gd name="connsiteX3" fmla="*/ 642199 w 642199"/>
+              <a:gd name="connsiteY3" fmla="*/ 329067 h 329067"/>
+              <a:gd name="connsiteX0" fmla="*/ 0 w 636412"/>
+              <a:gd name="connsiteY0" fmla="*/ 336542 h 336543"/>
+              <a:gd name="connsiteX1" fmla="*/ 328187 w 636412"/>
+              <a:gd name="connsiteY1" fmla="*/ 4 h 336543"/>
+              <a:gd name="connsiteX2" fmla="*/ 636412 w 636412"/>
+              <a:gd name="connsiteY2" fmla="*/ 328777 h 336543"/>
+              <a:gd name="connsiteX3" fmla="*/ 636412 w 636412"/>
+              <a:gd name="connsiteY3" fmla="*/ 328777 h 336543"/>
+              <a:gd name="connsiteX0" fmla="*/ 0 w 636412"/>
+              <a:gd name="connsiteY0" fmla="*/ 363102 h 363102"/>
+              <a:gd name="connsiteX1" fmla="*/ 107755 w 636412"/>
+              <a:gd name="connsiteY1" fmla="*/ 58145 h 363102"/>
+              <a:gd name="connsiteX2" fmla="*/ 328187 w 636412"/>
+              <a:gd name="connsiteY2" fmla="*/ 26564 h 363102"/>
+              <a:gd name="connsiteX3" fmla="*/ 636412 w 636412"/>
+              <a:gd name="connsiteY3" fmla="*/ 355337 h 363102"/>
+              <a:gd name="connsiteX4" fmla="*/ 636412 w 636412"/>
+              <a:gd name="connsiteY4" fmla="*/ 355337 h 363102"/>
+            </a:gdLst>
+            <a:ahLst/>
+            <a:cxnLst>
+              <a:cxn ang="0">
+                <a:pos x="connsiteX0" y="connsiteY0"/>
+              </a:cxn>
+              <a:cxn ang="0">
+                <a:pos x="connsiteX1" y="connsiteY1"/>
+              </a:cxn>
+              <a:cxn ang="0">
+                <a:pos x="connsiteX2" y="connsiteY2"/>
+              </a:cxn>
+              <a:cxn ang="0">
+                <a:pos x="connsiteX3" y="connsiteY3"/>
+              </a:cxn>
+              <a:cxn ang="0">
+                <a:pos x="connsiteX4" y="connsiteY4"/>
+              </a:cxn>
+            </a:cxnLst>
+            <a:rect l="l" t="t" r="r" b="b"/>
+            <a:pathLst>
+              <a:path w="636412" h="363102">
+                <a:moveTo>
+                  <a:pt x="0" y="363102"/>
+                </a:moveTo>
+                <a:cubicBezTo>
+                  <a:pt x="27502" y="325288"/>
+                  <a:pt x="53057" y="114235"/>
+                  <a:pt x="107755" y="58145"/>
+                </a:cubicBezTo>
+                <a:cubicBezTo>
+                  <a:pt x="162453" y="2055"/>
+                  <a:pt x="240078" y="-22968"/>
+                  <a:pt x="328187" y="26564"/>
+                </a:cubicBezTo>
+                <a:cubicBezTo>
+                  <a:pt x="416296" y="76096"/>
+                  <a:pt x="636412" y="355337"/>
+                  <a:pt x="636412" y="355337"/>
+                </a:cubicBezTo>
+                <a:lnTo>
+                  <a:pt x="636412" y="355337"/>
                 </a:lnTo>
               </a:path>
             </a:pathLst>
